--- a/Employee Salary Calculator Application.pptx
+++ b/Employee Salary Calculator Application.pptx
@@ -9,10 +9,11 @@
     <p:sldId id="257" r:id="rId3"/>
     <p:sldId id="263" r:id="rId4"/>
     <p:sldId id="259" r:id="rId5"/>
-    <p:sldId id="258" r:id="rId6"/>
-    <p:sldId id="260" r:id="rId7"/>
-    <p:sldId id="261" r:id="rId8"/>
-    <p:sldId id="262" r:id="rId9"/>
+    <p:sldId id="264" r:id="rId6"/>
+    <p:sldId id="258" r:id="rId7"/>
+    <p:sldId id="260" r:id="rId8"/>
+    <p:sldId id="261" r:id="rId9"/>
+    <p:sldId id="262" r:id="rId10"/>
   </p:sldIdLst>
   <p:sldSz cx="12192000" cy="6858000"/>
   <p:notesSz cx="6858000" cy="9144000"/>
@@ -111,6 +112,11 @@
       </a:defRPr>
     </a:lvl9pPr>
   </p:defaultTextStyle>
+  <p:extLst>
+    <p:ext uri="{EFAFB233-063F-42B5-8137-9DF3F51BA10A}">
+      <p15:sldGuideLst xmlns:p15="http://schemas.microsoft.com/office/powerpoint/2012/main"/>
+    </p:ext>
+  </p:extLst>
 </p:presentation>
 </file>
 
@@ -4359,12 +4365,12 @@
           </a:lstStyle>
           <a:p>
             <a:r>
-              <a:rPr lang="en-US" sz="4800" b="1" dirty="0">
+              <a:rPr lang="en-US" altLang="zh-CN" sz="4800" b="1" dirty="0">
                 <a:solidFill>
                   <a:schemeClr val="bg1"/>
                 </a:solidFill>
               </a:rPr>
-              <a:t>OBJECTIVE</a:t>
+              <a:t>PROBLEM BACKGROUND</a:t>
             </a:r>
             <a:endParaRPr lang="en-MY" sz="4800" b="1" dirty="0">
               <a:solidFill>
@@ -4875,7 +4881,7 @@
                   <a:schemeClr val="bg1"/>
                 </a:solidFill>
               </a:rPr>
-              <a:t>INTERFACE OF THE APPLICATION</a:t>
+              <a:t>PRODUCT DEPLOYMENT</a:t>
             </a:r>
             <a:endParaRPr lang="en-MY" sz="4800" b="1" dirty="0">
               <a:solidFill>
@@ -4926,62 +4932,32 @@
           <a:chExt cx="0" cy="0"/>
         </a:xfrm>
       </p:grpSpPr>
-      <p:pic>
-        <p:nvPicPr>
-          <p:cNvPr id="5" name="Picture 4">
-            <a:extLst>
-              <a:ext uri="{FF2B5EF4-FFF2-40B4-BE49-F238E27FC236}">
-                <a16:creationId xmlns:a16="http://schemas.microsoft.com/office/drawing/2014/main" id="{A9B293FC-779F-4CDC-A2E6-99BD2299FA78}"/>
-              </a:ext>
-            </a:extLst>
-          </p:cNvPr>
-          <p:cNvPicPr>
-            <a:picLocks noChangeAspect="1"/>
-          </p:cNvPicPr>
+      <p:sp>
+        <p:nvSpPr>
+          <p:cNvPr id="9" name="Subtitle 2">
+            <a:extLst>
+              <a:ext uri="{FF2B5EF4-FFF2-40B4-BE49-F238E27FC236}">
+                <a16:creationId xmlns:a16="http://schemas.microsoft.com/office/drawing/2014/main" id="{C60058A0-20FC-443D-AC9C-C306AF26E47B}"/>
+              </a:ext>
+            </a:extLst>
+          </p:cNvPr>
+          <p:cNvSpPr txBox="1">
+            <a:spLocks/>
+          </p:cNvSpPr>
           <p:nvPr/>
-        </p:nvPicPr>
-        <p:blipFill>
-          <a:blip r:embed="rId2"/>
-          <a:stretch>
-            <a:fillRect/>
-          </a:stretch>
-        </p:blipFill>
+        </p:nvSpPr>
         <p:spPr>
           <a:xfrm>
-            <a:off x="816697" y="1761601"/>
-            <a:ext cx="10558606" cy="4045821"/>
+            <a:off x="1081791" y="5818104"/>
+            <a:ext cx="5853954" cy="490479"/>
           </a:xfrm>
           <a:prstGeom prst="rect">
             <a:avLst/>
           </a:prstGeom>
         </p:spPr>
-      </p:pic>
-      <p:sp>
-        <p:nvSpPr>
-          <p:cNvPr id="6" name="Subtitle 2">
-            <a:extLst>
-              <a:ext uri="{FF2B5EF4-FFF2-40B4-BE49-F238E27FC236}">
-                <a16:creationId xmlns:a16="http://schemas.microsoft.com/office/drawing/2014/main" id="{AFB2A47E-96C8-46EB-A85C-6623EAB30AC2}"/>
-              </a:ext>
-            </a:extLst>
-          </p:cNvPr>
-          <p:cNvSpPr txBox="1">
-            <a:spLocks/>
-          </p:cNvSpPr>
-          <p:nvPr/>
-        </p:nvSpPr>
-        <p:spPr>
-          <a:xfrm>
-            <a:off x="816697" y="5977054"/>
-            <a:ext cx="10010137" cy="516672"/>
-          </a:xfrm>
-          <a:prstGeom prst="rect">
-            <a:avLst/>
-          </a:prstGeom>
-        </p:spPr>
         <p:txBody>
           <a:bodyPr vert="horz" lIns="91440" tIns="45720" rIns="91440" bIns="45720" rtlCol="0">
-            <a:normAutofit fontScale="92500" lnSpcReduction="10000"/>
+            <a:normAutofit fontScale="92500"/>
           </a:bodyPr>
           <a:lstStyle>
             <a:lvl1pPr marL="0" indent="0" algn="ctr" defTabSz="914400" rtl="0" eaLnBrk="1" latinLnBrk="0" hangingPunct="1">
@@ -5155,25 +5131,25 @@
                   <a:schemeClr val="bg1"/>
                 </a:solidFill>
               </a:rPr>
-              <a:t>In order to run the application, w</a:t>
-            </a:r>
-            <a:r>
-              <a:rPr lang="en-US" sz="1800" dirty="0">
+              <a:t>Simple UML Sequence Diagrams and Flow Charts with </a:t>
+            </a:r>
+            <a:r>
+              <a:rPr lang="en-US" altLang="zh-CN" sz="1800" dirty="0" err="1">
                 <a:solidFill>
                   <a:schemeClr val="bg1"/>
                 </a:solidFill>
               </a:rPr>
-              <a:t>e need to key in the employees name and salary. After that choose </a:t>
-            </a:r>
-            <a:r>
-              <a:rPr lang="en-MY" sz="1800" dirty="0">
+              <a:t>PlantUML</a:t>
+            </a:r>
+            <a:r>
+              <a:rPr lang="en-US" altLang="zh-CN" sz="1800" dirty="0">
                 <a:solidFill>
                   <a:schemeClr val="bg1"/>
                 </a:solidFill>
               </a:rPr>
-              <a:t>the right EPF contribution.</a:t>
-            </a:r>
-            <a:endParaRPr lang="en-US" sz="1800" dirty="0">
+              <a:t> </a:t>
+            </a:r>
+            <a:endParaRPr lang="en-MY" sz="1800" dirty="0">
               <a:solidFill>
                 <a:schemeClr val="bg1"/>
               </a:solidFill>
@@ -5183,10 +5159,10 @@
       </p:sp>
       <p:sp>
         <p:nvSpPr>
-          <p:cNvPr id="7" name="Subtitle 2">
-            <a:extLst>
-              <a:ext uri="{FF2B5EF4-FFF2-40B4-BE49-F238E27FC236}">
-                <a16:creationId xmlns:a16="http://schemas.microsoft.com/office/drawing/2014/main" id="{EC24F657-8943-4C9C-91D5-6EFADAB93D7B}"/>
+          <p:cNvPr id="11" name="Subtitle 2">
+            <a:extLst>
+              <a:ext uri="{FF2B5EF4-FFF2-40B4-BE49-F238E27FC236}">
+                <a16:creationId xmlns:a16="http://schemas.microsoft.com/office/drawing/2014/main" id="{237F95E0-2D25-473A-8992-3A39AB826956}"/>
               </a:ext>
             </a:extLst>
           </p:cNvPr>
@@ -5402,7 +5378,7 @@
                   <a:schemeClr val="bg1"/>
                 </a:solidFill>
               </a:rPr>
-              <a:t>INTERFACE OF THE APPLICATION</a:t>
+              <a:t>PROJECT IMPLEMENTATION</a:t>
             </a:r>
             <a:endParaRPr lang="en-MY" sz="4800" b="1" dirty="0">
               <a:solidFill>
@@ -5412,10 +5388,40 @@
           </a:p>
         </p:txBody>
       </p:sp>
+      <p:pic>
+        <p:nvPicPr>
+          <p:cNvPr id="3" name="Picture 2">
+            <a:extLst>
+              <a:ext uri="{FF2B5EF4-FFF2-40B4-BE49-F238E27FC236}">
+                <a16:creationId xmlns:a16="http://schemas.microsoft.com/office/drawing/2014/main" id="{A6DEA282-8727-4904-8A8F-DA4C1712BDFA}"/>
+              </a:ext>
+            </a:extLst>
+          </p:cNvPr>
+          <p:cNvPicPr>
+            <a:picLocks noChangeAspect="1"/>
+          </p:cNvPicPr>
+          <p:nvPr/>
+        </p:nvPicPr>
+        <p:blipFill>
+          <a:blip r:embed="rId2"/>
+          <a:stretch>
+            <a:fillRect/>
+          </a:stretch>
+        </p:blipFill>
+        <p:spPr>
+          <a:xfrm>
+            <a:off x="809131" y="1971427"/>
+            <a:ext cx="10573737" cy="3332910"/>
+          </a:xfrm>
+          <a:prstGeom prst="rect">
+            <a:avLst/>
+          </a:prstGeom>
+        </p:spPr>
+      </p:pic>
     </p:spTree>
     <p:extLst>
       <p:ext uri="{BB962C8B-B14F-4D97-AF65-F5344CB8AC3E}">
-        <p14:creationId xmlns:p14="http://schemas.microsoft.com/office/powerpoint/2010/main" val="398065386"/>
+        <p14:creationId xmlns:p14="http://schemas.microsoft.com/office/powerpoint/2010/main" val="3337260856"/>
       </p:ext>
     </p:extLst>
   </p:cSld>
@@ -5455,10 +5461,10 @@
       </p:grpSpPr>
       <p:pic>
         <p:nvPicPr>
-          <p:cNvPr id="6" name="Picture 5">
-            <a:extLst>
-              <a:ext uri="{FF2B5EF4-FFF2-40B4-BE49-F238E27FC236}">
-                <a16:creationId xmlns:a16="http://schemas.microsoft.com/office/drawing/2014/main" id="{AFE0B97F-3549-4FDA-B0C5-3A38ED14275A}"/>
+          <p:cNvPr id="5" name="Picture 4">
+            <a:extLst>
+              <a:ext uri="{FF2B5EF4-FFF2-40B4-BE49-F238E27FC236}">
+                <a16:creationId xmlns:a16="http://schemas.microsoft.com/office/drawing/2014/main" id="{A9B293FC-779F-4CDC-A2E6-99BD2299FA78}"/>
               </a:ext>
             </a:extLst>
           </p:cNvPr>
@@ -5475,8 +5481,8 @@
         </p:blipFill>
         <p:spPr>
           <a:xfrm>
-            <a:off x="1031178" y="2039457"/>
-            <a:ext cx="10129643" cy="3818004"/>
+            <a:off x="816697" y="1761601"/>
+            <a:ext cx="10558606" cy="4045821"/>
           </a:xfrm>
           <a:prstGeom prst="rect">
             <a:avLst/>
@@ -5485,10 +5491,10 @@
       </p:pic>
       <p:sp>
         <p:nvSpPr>
-          <p:cNvPr id="7" name="Subtitle 2">
-            <a:extLst>
-              <a:ext uri="{FF2B5EF4-FFF2-40B4-BE49-F238E27FC236}">
-                <a16:creationId xmlns:a16="http://schemas.microsoft.com/office/drawing/2014/main" id="{6D9AF362-0A6D-4761-BE11-05B8A8F24E01}"/>
+          <p:cNvPr id="6" name="Subtitle 2">
+            <a:extLst>
+              <a:ext uri="{FF2B5EF4-FFF2-40B4-BE49-F238E27FC236}">
+                <a16:creationId xmlns:a16="http://schemas.microsoft.com/office/drawing/2014/main" id="{AFB2A47E-96C8-46EB-A85C-6623EAB30AC2}"/>
               </a:ext>
             </a:extLst>
           </p:cNvPr>
@@ -5499,8 +5505,8 @@
         </p:nvSpPr>
         <p:spPr>
           <a:xfrm>
-            <a:off x="1064630" y="6063344"/>
-            <a:ext cx="7455426" cy="451033"/>
+            <a:off x="816697" y="5977054"/>
+            <a:ext cx="10010137" cy="516672"/>
           </a:xfrm>
           <a:prstGeom prst="rect">
             <a:avLst/>
@@ -5508,7 +5514,7 @@
         </p:spPr>
         <p:txBody>
           <a:bodyPr vert="horz" lIns="91440" tIns="45720" rIns="91440" bIns="45720" rtlCol="0">
-            <a:normAutofit fontScale="85000" lnSpcReduction="10000"/>
+            <a:normAutofit fontScale="92500" lnSpcReduction="10000"/>
           </a:bodyPr>
           <a:lstStyle>
             <a:lvl1pPr marL="0" indent="0" algn="ctr" defTabSz="914400" rtl="0" eaLnBrk="1" latinLnBrk="0" hangingPunct="1">
@@ -5682,7 +5688,23 @@
                   <a:schemeClr val="bg1"/>
                 </a:solidFill>
               </a:rPr>
-              <a:t>The application will automatically calculate the EPF, SOCSO, EIS contribution and Net salary.</a:t>
+              <a:t>In order to run the application, w</a:t>
+            </a:r>
+            <a:r>
+              <a:rPr lang="en-US" sz="1800" dirty="0">
+                <a:solidFill>
+                  <a:schemeClr val="bg1"/>
+                </a:solidFill>
+              </a:rPr>
+              <a:t>e need to key in the employees name and salary. After that choose </a:t>
+            </a:r>
+            <a:r>
+              <a:rPr lang="en-MY" sz="1800" dirty="0">
+                <a:solidFill>
+                  <a:schemeClr val="bg1"/>
+                </a:solidFill>
+              </a:rPr>
+              <a:t>the right EPF contribution.</a:t>
             </a:r>
             <a:endParaRPr lang="en-US" sz="1800" dirty="0">
               <a:solidFill>
@@ -5694,10 +5716,10 @@
       </p:sp>
       <p:sp>
         <p:nvSpPr>
-          <p:cNvPr id="8" name="Subtitle 2">
-            <a:extLst>
-              <a:ext uri="{FF2B5EF4-FFF2-40B4-BE49-F238E27FC236}">
-                <a16:creationId xmlns:a16="http://schemas.microsoft.com/office/drawing/2014/main" id="{8467D07B-6CCF-4A08-A08E-06398F20995A}"/>
+          <p:cNvPr id="7" name="Subtitle 2">
+            <a:extLst>
+              <a:ext uri="{FF2B5EF4-FFF2-40B4-BE49-F238E27FC236}">
+                <a16:creationId xmlns:a16="http://schemas.microsoft.com/office/drawing/2014/main" id="{EC24F657-8943-4C9C-91D5-6EFADAB93D7B}"/>
               </a:ext>
             </a:extLst>
           </p:cNvPr>
@@ -5913,7 +5935,7 @@
                   <a:schemeClr val="bg1"/>
                 </a:solidFill>
               </a:rPr>
-              <a:t>INTERFACE OF THE APPLICATION</a:t>
+              <a:t>PRODUCT DEPLOYMENT</a:t>
             </a:r>
             <a:endParaRPr lang="en-MY" sz="4800" b="1" dirty="0">
               <a:solidFill>
@@ -5926,7 +5948,7 @@
     </p:spTree>
     <p:extLst>
       <p:ext uri="{BB962C8B-B14F-4D97-AF65-F5344CB8AC3E}">
-        <p14:creationId xmlns:p14="http://schemas.microsoft.com/office/powerpoint/2010/main" val="2830629371"/>
+        <p14:creationId xmlns:p14="http://schemas.microsoft.com/office/powerpoint/2010/main" val="398065386"/>
       </p:ext>
     </p:extLst>
   </p:cSld>
@@ -5964,170 +5986,238 @@
           <a:chExt cx="0" cy="0"/>
         </a:xfrm>
       </p:grpSpPr>
-      <p:sp>
-        <p:nvSpPr>
-          <p:cNvPr id="3" name="Subtitle 2">
-            <a:extLst>
-              <a:ext uri="{FF2B5EF4-FFF2-40B4-BE49-F238E27FC236}">
-                <a16:creationId xmlns:a16="http://schemas.microsoft.com/office/drawing/2014/main" id="{F2920A47-459B-4B1F-B389-F21BD41B04F7}"/>
-              </a:ext>
-            </a:extLst>
-          </p:cNvPr>
-          <p:cNvSpPr>
-            <a:spLocks noGrp="1"/>
-          </p:cNvSpPr>
-          <p:nvPr>
-            <p:ph type="subTitle" idx="1"/>
-          </p:nvPr>
-        </p:nvSpPr>
+      <p:pic>
+        <p:nvPicPr>
+          <p:cNvPr id="6" name="Picture 5">
+            <a:extLst>
+              <a:ext uri="{FF2B5EF4-FFF2-40B4-BE49-F238E27FC236}">
+                <a16:creationId xmlns:a16="http://schemas.microsoft.com/office/drawing/2014/main" id="{AFE0B97F-3549-4FDA-B0C5-3A38ED14275A}"/>
+              </a:ext>
+            </a:extLst>
+          </p:cNvPr>
+          <p:cNvPicPr>
+            <a:picLocks noChangeAspect="1"/>
+          </p:cNvPicPr>
+          <p:nvPr/>
+        </p:nvPicPr>
+        <p:blipFill>
+          <a:blip r:embed="rId2"/>
+          <a:stretch>
+            <a:fillRect/>
+          </a:stretch>
+        </p:blipFill>
         <p:spPr>
           <a:xfrm>
-            <a:off x="2171699" y="2086982"/>
-            <a:ext cx="7848601" cy="3151991"/>
+            <a:off x="1031178" y="2039457"/>
+            <a:ext cx="10129643" cy="3818004"/>
           </a:xfrm>
+          <a:prstGeom prst="rect">
+            <a:avLst/>
+          </a:prstGeom>
         </p:spPr>
-        <p:txBody>
-          <a:bodyPr>
-            <a:normAutofit fontScale="92500"/>
+      </p:pic>
+      <p:sp>
+        <p:nvSpPr>
+          <p:cNvPr id="7" name="Subtitle 2">
+            <a:extLst>
+              <a:ext uri="{FF2B5EF4-FFF2-40B4-BE49-F238E27FC236}">
+                <a16:creationId xmlns:a16="http://schemas.microsoft.com/office/drawing/2014/main" id="{6D9AF362-0A6D-4761-BE11-05B8A8F24E01}"/>
+              </a:ext>
+            </a:extLst>
+          </p:cNvPr>
+          <p:cNvSpPr txBox="1">
+            <a:spLocks/>
+          </p:cNvSpPr>
+          <p:nvPr/>
+        </p:nvSpPr>
+        <p:spPr>
+          <a:xfrm>
+            <a:off x="1064630" y="6063344"/>
+            <a:ext cx="7455426" cy="451033"/>
+          </a:xfrm>
+          <a:prstGeom prst="rect">
+            <a:avLst/>
+          </a:prstGeom>
+        </p:spPr>
+        <p:txBody>
+          <a:bodyPr vert="horz" lIns="91440" tIns="45720" rIns="91440" bIns="45720" rtlCol="0">
+            <a:normAutofit fontScale="85000" lnSpcReduction="10000"/>
           </a:bodyPr>
-          <a:lstStyle/>
-          <a:p>
-            <a:pPr>
-              <a:lnSpc>
-                <a:spcPct val="150000"/>
-              </a:lnSpc>
-            </a:pPr>
-            <a:r>
-              <a:rPr lang="en-MY" dirty="0">
+          <a:lstStyle>
+            <a:lvl1pPr marL="0" indent="0" algn="ctr" defTabSz="914400" rtl="0" eaLnBrk="1" latinLnBrk="0" hangingPunct="1">
+              <a:lnSpc>
+                <a:spcPct val="90000"/>
+              </a:lnSpc>
+              <a:spcBef>
+                <a:spcPts val="1000"/>
+              </a:spcBef>
+              <a:buFont typeface="Arial" panose="020B0604020202020204" pitchFamily="34" charset="0"/>
+              <a:buNone/>
+              <a:defRPr sz="2400" kern="1200">
+                <a:solidFill>
+                  <a:schemeClr val="tx1"/>
+                </a:solidFill>
+                <a:latin typeface="+mn-lt"/>
+                <a:ea typeface="+mn-ea"/>
+                <a:cs typeface="+mn-cs"/>
+              </a:defRPr>
+            </a:lvl1pPr>
+            <a:lvl2pPr marL="457200" indent="0" algn="ctr" defTabSz="914400" rtl="0" eaLnBrk="1" latinLnBrk="0" hangingPunct="1">
+              <a:lnSpc>
+                <a:spcPct val="90000"/>
+              </a:lnSpc>
+              <a:spcBef>
+                <a:spcPts val="500"/>
+              </a:spcBef>
+              <a:buFont typeface="Arial" panose="020B0604020202020204" pitchFamily="34" charset="0"/>
+              <a:buNone/>
+              <a:defRPr sz="2000" kern="1200">
+                <a:solidFill>
+                  <a:schemeClr val="tx1"/>
+                </a:solidFill>
+                <a:latin typeface="+mn-lt"/>
+                <a:ea typeface="+mn-ea"/>
+                <a:cs typeface="+mn-cs"/>
+              </a:defRPr>
+            </a:lvl2pPr>
+            <a:lvl3pPr marL="914400" indent="0" algn="ctr" defTabSz="914400" rtl="0" eaLnBrk="1" latinLnBrk="0" hangingPunct="1">
+              <a:lnSpc>
+                <a:spcPct val="90000"/>
+              </a:lnSpc>
+              <a:spcBef>
+                <a:spcPts val="500"/>
+              </a:spcBef>
+              <a:buFont typeface="Arial" panose="020B0604020202020204" pitchFamily="34" charset="0"/>
+              <a:buNone/>
+              <a:defRPr sz="1800" kern="1200">
+                <a:solidFill>
+                  <a:schemeClr val="tx1"/>
+                </a:solidFill>
+                <a:latin typeface="+mn-lt"/>
+                <a:ea typeface="+mn-ea"/>
+                <a:cs typeface="+mn-cs"/>
+              </a:defRPr>
+            </a:lvl3pPr>
+            <a:lvl4pPr marL="1371600" indent="0" algn="ctr" defTabSz="914400" rtl="0" eaLnBrk="1" latinLnBrk="0" hangingPunct="1">
+              <a:lnSpc>
+                <a:spcPct val="90000"/>
+              </a:lnSpc>
+              <a:spcBef>
+                <a:spcPts val="500"/>
+              </a:spcBef>
+              <a:buFont typeface="Arial" panose="020B0604020202020204" pitchFamily="34" charset="0"/>
+              <a:buNone/>
+              <a:defRPr sz="1600" kern="1200">
+                <a:solidFill>
+                  <a:schemeClr val="tx1"/>
+                </a:solidFill>
+                <a:latin typeface="+mn-lt"/>
+                <a:ea typeface="+mn-ea"/>
+                <a:cs typeface="+mn-cs"/>
+              </a:defRPr>
+            </a:lvl4pPr>
+            <a:lvl5pPr marL="1828800" indent="0" algn="ctr" defTabSz="914400" rtl="0" eaLnBrk="1" latinLnBrk="0" hangingPunct="1">
+              <a:lnSpc>
+                <a:spcPct val="90000"/>
+              </a:lnSpc>
+              <a:spcBef>
+                <a:spcPts val="500"/>
+              </a:spcBef>
+              <a:buFont typeface="Arial" panose="020B0604020202020204" pitchFamily="34" charset="0"/>
+              <a:buNone/>
+              <a:defRPr sz="1600" kern="1200">
+                <a:solidFill>
+                  <a:schemeClr val="tx1"/>
+                </a:solidFill>
+                <a:latin typeface="+mn-lt"/>
+                <a:ea typeface="+mn-ea"/>
+                <a:cs typeface="+mn-cs"/>
+              </a:defRPr>
+            </a:lvl5pPr>
+            <a:lvl6pPr marL="2286000" indent="0" algn="ctr" defTabSz="914400" rtl="0" eaLnBrk="1" latinLnBrk="0" hangingPunct="1">
+              <a:lnSpc>
+                <a:spcPct val="90000"/>
+              </a:lnSpc>
+              <a:spcBef>
+                <a:spcPts val="500"/>
+              </a:spcBef>
+              <a:buFont typeface="Arial" panose="020B0604020202020204" pitchFamily="34" charset="0"/>
+              <a:buNone/>
+              <a:defRPr sz="1600" kern="1200">
+                <a:solidFill>
+                  <a:schemeClr val="tx1"/>
+                </a:solidFill>
+                <a:latin typeface="+mn-lt"/>
+                <a:ea typeface="+mn-ea"/>
+                <a:cs typeface="+mn-cs"/>
+              </a:defRPr>
+            </a:lvl6pPr>
+            <a:lvl7pPr marL="2743200" indent="0" algn="ctr" defTabSz="914400" rtl="0" eaLnBrk="1" latinLnBrk="0" hangingPunct="1">
+              <a:lnSpc>
+                <a:spcPct val="90000"/>
+              </a:lnSpc>
+              <a:spcBef>
+                <a:spcPts val="500"/>
+              </a:spcBef>
+              <a:buFont typeface="Arial" panose="020B0604020202020204" pitchFamily="34" charset="0"/>
+              <a:buNone/>
+              <a:defRPr sz="1600" kern="1200">
+                <a:solidFill>
+                  <a:schemeClr val="tx1"/>
+                </a:solidFill>
+                <a:latin typeface="+mn-lt"/>
+                <a:ea typeface="+mn-ea"/>
+                <a:cs typeface="+mn-cs"/>
+              </a:defRPr>
+            </a:lvl7pPr>
+            <a:lvl8pPr marL="3200400" indent="0" algn="ctr" defTabSz="914400" rtl="0" eaLnBrk="1" latinLnBrk="0" hangingPunct="1">
+              <a:lnSpc>
+                <a:spcPct val="90000"/>
+              </a:lnSpc>
+              <a:spcBef>
+                <a:spcPts val="500"/>
+              </a:spcBef>
+              <a:buFont typeface="Arial" panose="020B0604020202020204" pitchFamily="34" charset="0"/>
+              <a:buNone/>
+              <a:defRPr sz="1600" kern="1200">
+                <a:solidFill>
+                  <a:schemeClr val="tx1"/>
+                </a:solidFill>
+                <a:latin typeface="+mn-lt"/>
+                <a:ea typeface="+mn-ea"/>
+                <a:cs typeface="+mn-cs"/>
+              </a:defRPr>
+            </a:lvl8pPr>
+            <a:lvl9pPr marL="3657600" indent="0" algn="ctr" defTabSz="914400" rtl="0" eaLnBrk="1" latinLnBrk="0" hangingPunct="1">
+              <a:lnSpc>
+                <a:spcPct val="90000"/>
+              </a:lnSpc>
+              <a:spcBef>
+                <a:spcPts val="500"/>
+              </a:spcBef>
+              <a:buFont typeface="Arial" panose="020B0604020202020204" pitchFamily="34" charset="0"/>
+              <a:buNone/>
+              <a:defRPr sz="1600" kern="1200">
+                <a:solidFill>
+                  <a:schemeClr val="tx1"/>
+                </a:solidFill>
+                <a:latin typeface="+mn-lt"/>
+                <a:ea typeface="+mn-ea"/>
+                <a:cs typeface="+mn-cs"/>
+              </a:defRPr>
+            </a:lvl9pPr>
+          </a:lstStyle>
+          <a:p>
+            <a:pPr algn="l"/>
+            <a:r>
+              <a:rPr lang="en-US" altLang="zh-CN" sz="1800" dirty="0">
                 <a:solidFill>
                   <a:schemeClr val="bg1"/>
                 </a:solidFill>
               </a:rPr>
-              <a:t>In this project, it include of J</a:t>
-            </a:r>
-            <a:r>
-              <a:rPr lang="en-US" altLang="zh-CN" dirty="0">
-                <a:solidFill>
-                  <a:schemeClr val="bg1"/>
-                </a:solidFill>
-              </a:rPr>
-              <a:t>F</a:t>
-            </a:r>
-            <a:r>
-              <a:rPr lang="en-MY" dirty="0" err="1">
-                <a:solidFill>
-                  <a:schemeClr val="bg1"/>
-                </a:solidFill>
-              </a:rPr>
-              <a:t>rame</a:t>
-            </a:r>
-            <a:r>
-              <a:rPr lang="en-MY" dirty="0">
-                <a:solidFill>
-                  <a:schemeClr val="bg1"/>
-                </a:solidFill>
-              </a:rPr>
-              <a:t>, J</a:t>
-            </a:r>
-            <a:r>
-              <a:rPr lang="en-US" altLang="zh-CN" dirty="0">
-                <a:solidFill>
-                  <a:schemeClr val="bg1"/>
-                </a:solidFill>
-              </a:rPr>
-              <a:t>L</a:t>
-            </a:r>
-            <a:r>
-              <a:rPr lang="en-MY" dirty="0" err="1">
-                <a:solidFill>
-                  <a:schemeClr val="bg1"/>
-                </a:solidFill>
-              </a:rPr>
-              <a:t>abel</a:t>
-            </a:r>
-            <a:r>
-              <a:rPr lang="en-MY" dirty="0">
-                <a:solidFill>
-                  <a:schemeClr val="bg1"/>
-                </a:solidFill>
-              </a:rPr>
-              <a:t>, J</a:t>
-            </a:r>
-            <a:r>
-              <a:rPr lang="en-US" altLang="zh-CN" dirty="0">
-                <a:solidFill>
-                  <a:schemeClr val="bg1"/>
-                </a:solidFill>
-              </a:rPr>
-              <a:t>B</a:t>
-            </a:r>
-            <a:r>
-              <a:rPr lang="en-MY" dirty="0" err="1">
-                <a:solidFill>
-                  <a:schemeClr val="bg1"/>
-                </a:solidFill>
-              </a:rPr>
-              <a:t>utton</a:t>
-            </a:r>
-            <a:r>
-              <a:rPr lang="en-MY" dirty="0">
-                <a:solidFill>
-                  <a:schemeClr val="bg1"/>
-                </a:solidFill>
-              </a:rPr>
-              <a:t> and </a:t>
-            </a:r>
-            <a:r>
-              <a:rPr lang="en-US" altLang="zh-CN" dirty="0" err="1">
-                <a:solidFill>
-                  <a:schemeClr val="bg1"/>
-                </a:solidFill>
-              </a:rPr>
-              <a:t>JTextField</a:t>
-            </a:r>
-            <a:r>
-              <a:rPr lang="en-US" altLang="zh-CN" dirty="0">
-                <a:solidFill>
-                  <a:schemeClr val="bg1"/>
-                </a:solidFill>
-              </a:rPr>
-              <a:t> is used to create the GUI interface.  Other than that, the </a:t>
-            </a:r>
-            <a:r>
-              <a:rPr lang="en-US" altLang="zh-CN" dirty="0" err="1">
-                <a:solidFill>
-                  <a:schemeClr val="bg1"/>
-                </a:solidFill>
-              </a:rPr>
-              <a:t>actionListener</a:t>
-            </a:r>
-            <a:r>
-              <a:rPr lang="en-US" altLang="zh-CN" dirty="0">
-                <a:solidFill>
-                  <a:schemeClr val="bg1"/>
-                </a:solidFill>
-              </a:rPr>
-              <a:t> and </a:t>
-            </a:r>
-            <a:r>
-              <a:rPr lang="en-US" altLang="zh-CN" dirty="0" err="1">
-                <a:solidFill>
-                  <a:schemeClr val="bg1"/>
-                </a:solidFill>
-              </a:rPr>
-              <a:t>actionPerformed</a:t>
-            </a:r>
-            <a:r>
-              <a:rPr lang="en-US" altLang="zh-CN" dirty="0">
-                <a:solidFill>
-                  <a:schemeClr val="bg1"/>
-                </a:solidFill>
-              </a:rPr>
-              <a:t> is used to let the user to choose for the EPF contribution %. This Employee Salary Calculator application will be more efficient when it linked to the company SQL data base. </a:t>
-            </a:r>
-          </a:p>
-          <a:p>
-            <a:endParaRPr lang="en-MY" dirty="0">
+              <a:t>The application will automatically calculate the EPF, SOCSO, EIS contribution and Net salary.</a:t>
+            </a:r>
+            <a:endParaRPr lang="en-US" sz="1800" dirty="0">
               <a:solidFill>
                 <a:schemeClr val="bg1"/>
               </a:solidFill>
@@ -6137,10 +6227,10 @@
       </p:sp>
       <p:sp>
         <p:nvSpPr>
-          <p:cNvPr id="7" name="Subtitle 2">
-            <a:extLst>
-              <a:ext uri="{FF2B5EF4-FFF2-40B4-BE49-F238E27FC236}">
-                <a16:creationId xmlns:a16="http://schemas.microsoft.com/office/drawing/2014/main" id="{15B9A21F-6D79-41A4-B33C-8283CBCBD7C8}"/>
+          <p:cNvPr id="8" name="Subtitle 2">
+            <a:extLst>
+              <a:ext uri="{FF2B5EF4-FFF2-40B4-BE49-F238E27FC236}">
+                <a16:creationId xmlns:a16="http://schemas.microsoft.com/office/drawing/2014/main" id="{8467D07B-6CCF-4A08-A08E-06398F20995A}"/>
               </a:ext>
             </a:extLst>
           </p:cNvPr>
@@ -6356,6 +6446,449 @@
                   <a:schemeClr val="bg1"/>
                 </a:solidFill>
               </a:rPr>
+              <a:t>PRODUCT DEPLOYMENT</a:t>
+            </a:r>
+            <a:endParaRPr lang="en-MY" sz="4800" b="1" dirty="0">
+              <a:solidFill>
+                <a:schemeClr val="bg1"/>
+              </a:solidFill>
+            </a:endParaRPr>
+          </a:p>
+        </p:txBody>
+      </p:sp>
+    </p:spTree>
+    <p:extLst>
+      <p:ext uri="{BB962C8B-B14F-4D97-AF65-F5344CB8AC3E}">
+        <p14:creationId xmlns:p14="http://schemas.microsoft.com/office/powerpoint/2010/main" val="2830629371"/>
+      </p:ext>
+    </p:extLst>
+  </p:cSld>
+  <p:clrMapOvr>
+    <a:masterClrMapping/>
+  </p:clrMapOvr>
+</p:sld>
+</file>
+
+<file path=ppt/slides/slide8.xml><?xml version="1.0" encoding="utf-8"?>
+<p:sld xmlns:a="http://schemas.openxmlformats.org/drawingml/2006/main" xmlns:r="http://schemas.openxmlformats.org/officeDocument/2006/relationships" xmlns:p="http://schemas.openxmlformats.org/presentationml/2006/main">
+  <p:cSld>
+    <p:bg>
+      <p:bgPr>
+        <a:solidFill>
+          <a:schemeClr val="tx2">
+            <a:lumMod val="50000"/>
+            <a:alpha val="99000"/>
+          </a:schemeClr>
+        </a:solidFill>
+        <a:effectLst/>
+      </p:bgPr>
+    </p:bg>
+    <p:spTree>
+      <p:nvGrpSpPr>
+        <p:cNvPr id="1" name=""/>
+        <p:cNvGrpSpPr/>
+        <p:nvPr/>
+      </p:nvGrpSpPr>
+      <p:grpSpPr>
+        <a:xfrm>
+          <a:off x="0" y="0"/>
+          <a:ext cx="0" cy="0"/>
+          <a:chOff x="0" y="0"/>
+          <a:chExt cx="0" cy="0"/>
+        </a:xfrm>
+      </p:grpSpPr>
+      <p:sp>
+        <p:nvSpPr>
+          <p:cNvPr id="3" name="Subtitle 2">
+            <a:extLst>
+              <a:ext uri="{FF2B5EF4-FFF2-40B4-BE49-F238E27FC236}">
+                <a16:creationId xmlns:a16="http://schemas.microsoft.com/office/drawing/2014/main" id="{F2920A47-459B-4B1F-B389-F21BD41B04F7}"/>
+              </a:ext>
+            </a:extLst>
+          </p:cNvPr>
+          <p:cNvSpPr>
+            <a:spLocks noGrp="1"/>
+          </p:cNvSpPr>
+          <p:nvPr>
+            <p:ph type="subTitle" idx="1"/>
+          </p:nvPr>
+        </p:nvSpPr>
+        <p:spPr>
+          <a:xfrm>
+            <a:off x="2171699" y="2086982"/>
+            <a:ext cx="7848601" cy="3151991"/>
+          </a:xfrm>
+        </p:spPr>
+        <p:txBody>
+          <a:bodyPr>
+            <a:normAutofit fontScale="92500"/>
+          </a:bodyPr>
+          <a:lstStyle/>
+          <a:p>
+            <a:pPr>
+              <a:lnSpc>
+                <a:spcPct val="150000"/>
+              </a:lnSpc>
+            </a:pPr>
+            <a:r>
+              <a:rPr lang="en-MY" dirty="0">
+                <a:solidFill>
+                  <a:schemeClr val="bg1"/>
+                </a:solidFill>
+              </a:rPr>
+              <a:t>In this project, it include of J</a:t>
+            </a:r>
+            <a:r>
+              <a:rPr lang="en-US" altLang="zh-CN" dirty="0">
+                <a:solidFill>
+                  <a:schemeClr val="bg1"/>
+                </a:solidFill>
+              </a:rPr>
+              <a:t>F</a:t>
+            </a:r>
+            <a:r>
+              <a:rPr lang="en-MY" dirty="0" err="1">
+                <a:solidFill>
+                  <a:schemeClr val="bg1"/>
+                </a:solidFill>
+              </a:rPr>
+              <a:t>rame</a:t>
+            </a:r>
+            <a:r>
+              <a:rPr lang="en-MY" dirty="0">
+                <a:solidFill>
+                  <a:schemeClr val="bg1"/>
+                </a:solidFill>
+              </a:rPr>
+              <a:t>, J</a:t>
+            </a:r>
+            <a:r>
+              <a:rPr lang="en-US" altLang="zh-CN" dirty="0">
+                <a:solidFill>
+                  <a:schemeClr val="bg1"/>
+                </a:solidFill>
+              </a:rPr>
+              <a:t>L</a:t>
+            </a:r>
+            <a:r>
+              <a:rPr lang="en-MY" dirty="0" err="1">
+                <a:solidFill>
+                  <a:schemeClr val="bg1"/>
+                </a:solidFill>
+              </a:rPr>
+              <a:t>abel</a:t>
+            </a:r>
+            <a:r>
+              <a:rPr lang="en-MY" dirty="0">
+                <a:solidFill>
+                  <a:schemeClr val="bg1"/>
+                </a:solidFill>
+              </a:rPr>
+              <a:t>, J</a:t>
+            </a:r>
+            <a:r>
+              <a:rPr lang="en-US" altLang="zh-CN" dirty="0">
+                <a:solidFill>
+                  <a:schemeClr val="bg1"/>
+                </a:solidFill>
+              </a:rPr>
+              <a:t>B</a:t>
+            </a:r>
+            <a:r>
+              <a:rPr lang="en-MY" dirty="0" err="1">
+                <a:solidFill>
+                  <a:schemeClr val="bg1"/>
+                </a:solidFill>
+              </a:rPr>
+              <a:t>utton</a:t>
+            </a:r>
+            <a:r>
+              <a:rPr lang="en-MY" dirty="0">
+                <a:solidFill>
+                  <a:schemeClr val="bg1"/>
+                </a:solidFill>
+              </a:rPr>
+              <a:t> and </a:t>
+            </a:r>
+            <a:r>
+              <a:rPr lang="en-US" altLang="zh-CN" dirty="0" err="1">
+                <a:solidFill>
+                  <a:schemeClr val="bg1"/>
+                </a:solidFill>
+              </a:rPr>
+              <a:t>JTextField</a:t>
+            </a:r>
+            <a:r>
+              <a:rPr lang="en-US" altLang="zh-CN" dirty="0">
+                <a:solidFill>
+                  <a:schemeClr val="bg1"/>
+                </a:solidFill>
+              </a:rPr>
+              <a:t> is used to create the GUI interface.  Other than that, the </a:t>
+            </a:r>
+            <a:r>
+              <a:rPr lang="en-US" altLang="zh-CN" dirty="0" err="1">
+                <a:solidFill>
+                  <a:schemeClr val="bg1"/>
+                </a:solidFill>
+              </a:rPr>
+              <a:t>actionListener</a:t>
+            </a:r>
+            <a:r>
+              <a:rPr lang="en-US" altLang="zh-CN" dirty="0">
+                <a:solidFill>
+                  <a:schemeClr val="bg1"/>
+                </a:solidFill>
+              </a:rPr>
+              <a:t> and </a:t>
+            </a:r>
+            <a:r>
+              <a:rPr lang="en-US" altLang="zh-CN" dirty="0" err="1">
+                <a:solidFill>
+                  <a:schemeClr val="bg1"/>
+                </a:solidFill>
+              </a:rPr>
+              <a:t>actionPerformed</a:t>
+            </a:r>
+            <a:r>
+              <a:rPr lang="en-US" altLang="zh-CN" dirty="0">
+                <a:solidFill>
+                  <a:schemeClr val="bg1"/>
+                </a:solidFill>
+              </a:rPr>
+              <a:t> is used to let the user to choose for the EPF contribution %. This Employee Salary Calculator application will be more efficient when it linked to the company SQL data base. </a:t>
+            </a:r>
+          </a:p>
+          <a:p>
+            <a:endParaRPr lang="en-MY" dirty="0">
+              <a:solidFill>
+                <a:schemeClr val="bg1"/>
+              </a:solidFill>
+            </a:endParaRPr>
+          </a:p>
+        </p:txBody>
+      </p:sp>
+      <p:sp>
+        <p:nvSpPr>
+          <p:cNvPr id="7" name="Subtitle 2">
+            <a:extLst>
+              <a:ext uri="{FF2B5EF4-FFF2-40B4-BE49-F238E27FC236}">
+                <a16:creationId xmlns:a16="http://schemas.microsoft.com/office/drawing/2014/main" id="{15B9A21F-6D79-41A4-B33C-8283CBCBD7C8}"/>
+              </a:ext>
+            </a:extLst>
+          </p:cNvPr>
+          <p:cNvSpPr txBox="1">
+            <a:spLocks/>
+          </p:cNvSpPr>
+          <p:nvPr/>
+        </p:nvSpPr>
+        <p:spPr>
+          <a:xfrm>
+            <a:off x="0" y="794656"/>
+            <a:ext cx="12192000" cy="797475"/>
+          </a:xfrm>
+          <a:prstGeom prst="rect">
+            <a:avLst/>
+          </a:prstGeom>
+          <a:solidFill>
+            <a:schemeClr val="tx2">
+              <a:lumMod val="60000"/>
+              <a:lumOff val="40000"/>
+            </a:schemeClr>
+          </a:solidFill>
+          <a:ln>
+            <a:noFill/>
+          </a:ln>
+        </p:spPr>
+        <p:style>
+          <a:lnRef idx="3">
+            <a:schemeClr val="lt1"/>
+          </a:lnRef>
+          <a:fillRef idx="1">
+            <a:schemeClr val="accent1"/>
+          </a:fillRef>
+          <a:effectRef idx="1">
+            <a:schemeClr val="accent1"/>
+          </a:effectRef>
+          <a:fontRef idx="minor">
+            <a:schemeClr val="lt1"/>
+          </a:fontRef>
+        </p:style>
+        <p:txBody>
+          <a:bodyPr vert="horz" lIns="91440" tIns="45720" rIns="91440" bIns="45720" rtlCol="0">
+            <a:normAutofit/>
+          </a:bodyPr>
+          <a:lstStyle>
+            <a:lvl1pPr marL="0" indent="0" algn="ctr" defTabSz="914400" rtl="0" eaLnBrk="1" latinLnBrk="0" hangingPunct="1">
+              <a:lnSpc>
+                <a:spcPct val="90000"/>
+              </a:lnSpc>
+              <a:spcBef>
+                <a:spcPts val="1000"/>
+              </a:spcBef>
+              <a:buFont typeface="Arial" panose="020B0604020202020204" pitchFamily="34" charset="0"/>
+              <a:buNone/>
+              <a:defRPr sz="2400" kern="1200">
+                <a:solidFill>
+                  <a:schemeClr val="lt1"/>
+                </a:solidFill>
+                <a:latin typeface="+mn-lt"/>
+                <a:ea typeface="+mn-ea"/>
+                <a:cs typeface="+mn-cs"/>
+              </a:defRPr>
+            </a:lvl1pPr>
+            <a:lvl2pPr marL="457200" indent="0" algn="ctr" defTabSz="914400" rtl="0" eaLnBrk="1" latinLnBrk="0" hangingPunct="1">
+              <a:lnSpc>
+                <a:spcPct val="90000"/>
+              </a:lnSpc>
+              <a:spcBef>
+                <a:spcPts val="500"/>
+              </a:spcBef>
+              <a:buFont typeface="Arial" panose="020B0604020202020204" pitchFamily="34" charset="0"/>
+              <a:buNone/>
+              <a:defRPr sz="2000" kern="1200">
+                <a:solidFill>
+                  <a:schemeClr val="lt1"/>
+                </a:solidFill>
+                <a:latin typeface="+mn-lt"/>
+                <a:ea typeface="+mn-ea"/>
+                <a:cs typeface="+mn-cs"/>
+              </a:defRPr>
+            </a:lvl2pPr>
+            <a:lvl3pPr marL="914400" indent="0" algn="ctr" defTabSz="914400" rtl="0" eaLnBrk="1" latinLnBrk="0" hangingPunct="1">
+              <a:lnSpc>
+                <a:spcPct val="90000"/>
+              </a:lnSpc>
+              <a:spcBef>
+                <a:spcPts val="500"/>
+              </a:spcBef>
+              <a:buFont typeface="Arial" panose="020B0604020202020204" pitchFamily="34" charset="0"/>
+              <a:buNone/>
+              <a:defRPr sz="1800" kern="1200">
+                <a:solidFill>
+                  <a:schemeClr val="lt1"/>
+                </a:solidFill>
+                <a:latin typeface="+mn-lt"/>
+                <a:ea typeface="+mn-ea"/>
+                <a:cs typeface="+mn-cs"/>
+              </a:defRPr>
+            </a:lvl3pPr>
+            <a:lvl4pPr marL="1371600" indent="0" algn="ctr" defTabSz="914400" rtl="0" eaLnBrk="1" latinLnBrk="0" hangingPunct="1">
+              <a:lnSpc>
+                <a:spcPct val="90000"/>
+              </a:lnSpc>
+              <a:spcBef>
+                <a:spcPts val="500"/>
+              </a:spcBef>
+              <a:buFont typeface="Arial" panose="020B0604020202020204" pitchFamily="34" charset="0"/>
+              <a:buNone/>
+              <a:defRPr sz="1600" kern="1200">
+                <a:solidFill>
+                  <a:schemeClr val="lt1"/>
+                </a:solidFill>
+                <a:latin typeface="+mn-lt"/>
+                <a:ea typeface="+mn-ea"/>
+                <a:cs typeface="+mn-cs"/>
+              </a:defRPr>
+            </a:lvl4pPr>
+            <a:lvl5pPr marL="1828800" indent="0" algn="ctr" defTabSz="914400" rtl="0" eaLnBrk="1" latinLnBrk="0" hangingPunct="1">
+              <a:lnSpc>
+                <a:spcPct val="90000"/>
+              </a:lnSpc>
+              <a:spcBef>
+                <a:spcPts val="500"/>
+              </a:spcBef>
+              <a:buFont typeface="Arial" panose="020B0604020202020204" pitchFamily="34" charset="0"/>
+              <a:buNone/>
+              <a:defRPr sz="1600" kern="1200">
+                <a:solidFill>
+                  <a:schemeClr val="lt1"/>
+                </a:solidFill>
+                <a:latin typeface="+mn-lt"/>
+                <a:ea typeface="+mn-ea"/>
+                <a:cs typeface="+mn-cs"/>
+              </a:defRPr>
+            </a:lvl5pPr>
+            <a:lvl6pPr marL="2286000" indent="0" algn="ctr" defTabSz="914400" rtl="0" eaLnBrk="1" latinLnBrk="0" hangingPunct="1">
+              <a:lnSpc>
+                <a:spcPct val="90000"/>
+              </a:lnSpc>
+              <a:spcBef>
+                <a:spcPts val="500"/>
+              </a:spcBef>
+              <a:buFont typeface="Arial" panose="020B0604020202020204" pitchFamily="34" charset="0"/>
+              <a:buNone/>
+              <a:defRPr sz="1600" kern="1200">
+                <a:solidFill>
+                  <a:schemeClr val="lt1"/>
+                </a:solidFill>
+                <a:latin typeface="+mn-lt"/>
+                <a:ea typeface="+mn-ea"/>
+                <a:cs typeface="+mn-cs"/>
+              </a:defRPr>
+            </a:lvl6pPr>
+            <a:lvl7pPr marL="2743200" indent="0" algn="ctr" defTabSz="914400" rtl="0" eaLnBrk="1" latinLnBrk="0" hangingPunct="1">
+              <a:lnSpc>
+                <a:spcPct val="90000"/>
+              </a:lnSpc>
+              <a:spcBef>
+                <a:spcPts val="500"/>
+              </a:spcBef>
+              <a:buFont typeface="Arial" panose="020B0604020202020204" pitchFamily="34" charset="0"/>
+              <a:buNone/>
+              <a:defRPr sz="1600" kern="1200">
+                <a:solidFill>
+                  <a:schemeClr val="lt1"/>
+                </a:solidFill>
+                <a:latin typeface="+mn-lt"/>
+                <a:ea typeface="+mn-ea"/>
+                <a:cs typeface="+mn-cs"/>
+              </a:defRPr>
+            </a:lvl7pPr>
+            <a:lvl8pPr marL="3200400" indent="0" algn="ctr" defTabSz="914400" rtl="0" eaLnBrk="1" latinLnBrk="0" hangingPunct="1">
+              <a:lnSpc>
+                <a:spcPct val="90000"/>
+              </a:lnSpc>
+              <a:spcBef>
+                <a:spcPts val="500"/>
+              </a:spcBef>
+              <a:buFont typeface="Arial" panose="020B0604020202020204" pitchFamily="34" charset="0"/>
+              <a:buNone/>
+              <a:defRPr sz="1600" kern="1200">
+                <a:solidFill>
+                  <a:schemeClr val="lt1"/>
+                </a:solidFill>
+                <a:latin typeface="+mn-lt"/>
+                <a:ea typeface="+mn-ea"/>
+                <a:cs typeface="+mn-cs"/>
+              </a:defRPr>
+            </a:lvl8pPr>
+            <a:lvl9pPr marL="3657600" indent="0" algn="ctr" defTabSz="914400" rtl="0" eaLnBrk="1" latinLnBrk="0" hangingPunct="1">
+              <a:lnSpc>
+                <a:spcPct val="90000"/>
+              </a:lnSpc>
+              <a:spcBef>
+                <a:spcPts val="500"/>
+              </a:spcBef>
+              <a:buFont typeface="Arial" panose="020B0604020202020204" pitchFamily="34" charset="0"/>
+              <a:buNone/>
+              <a:defRPr sz="1600" kern="1200">
+                <a:solidFill>
+                  <a:schemeClr val="lt1"/>
+                </a:solidFill>
+                <a:latin typeface="+mn-lt"/>
+                <a:ea typeface="+mn-ea"/>
+                <a:cs typeface="+mn-cs"/>
+              </a:defRPr>
+            </a:lvl9pPr>
+          </a:lstStyle>
+          <a:p>
+            <a:r>
+              <a:rPr lang="en-US" sz="4800" b="1" dirty="0">
+                <a:solidFill>
+                  <a:schemeClr val="bg1"/>
+                </a:solidFill>
+              </a:rPr>
               <a:t>CONCLUSION</a:t>
             </a:r>
             <a:endParaRPr lang="en-MY" sz="4800" b="1" dirty="0">
@@ -6379,7 +6912,7 @@
 </p:sld>
 </file>
 
-<file path=ppt/slides/slide8.xml><?xml version="1.0" encoding="utf-8"?>
+<file path=ppt/slides/slide9.xml><?xml version="1.0" encoding="utf-8"?>
 <p:sld xmlns:a="http://schemas.openxmlformats.org/drawingml/2006/main" xmlns:r="http://schemas.openxmlformats.org/officeDocument/2006/relationships" xmlns:p="http://schemas.openxmlformats.org/presentationml/2006/main">
   <p:cSld>
     <p:bg>

--- a/Employee Salary Calculator Application.pptx
+++ b/Employee Salary Calculator Application.pptx
@@ -8,8 +8,8 @@
     <p:sldId id="256" r:id="rId2"/>
     <p:sldId id="257" r:id="rId3"/>
     <p:sldId id="263" r:id="rId4"/>
-    <p:sldId id="259" r:id="rId5"/>
-    <p:sldId id="264" r:id="rId6"/>
+    <p:sldId id="264" r:id="rId5"/>
+    <p:sldId id="259" r:id="rId6"/>
     <p:sldId id="258" r:id="rId7"/>
     <p:sldId id="260" r:id="rId8"/>
     <p:sldId id="261" r:id="rId9"/>
@@ -4421,53 +4421,23 @@
           <a:chExt cx="0" cy="0"/>
         </a:xfrm>
       </p:grpSpPr>
-      <p:pic>
-        <p:nvPicPr>
-          <p:cNvPr id="7" name="Picture 6">
-            <a:extLst>
-              <a:ext uri="{FF2B5EF4-FFF2-40B4-BE49-F238E27FC236}">
-                <a16:creationId xmlns:a16="http://schemas.microsoft.com/office/drawing/2014/main" id="{E2CF96DD-79ED-48A5-89BF-5427EDBA3812}"/>
-              </a:ext>
-            </a:extLst>
-          </p:cNvPr>
-          <p:cNvPicPr>
-            <a:picLocks noChangeAspect="1"/>
-          </p:cNvPicPr>
+      <p:sp>
+        <p:nvSpPr>
+          <p:cNvPr id="9" name="Subtitle 2">
+            <a:extLst>
+              <a:ext uri="{FF2B5EF4-FFF2-40B4-BE49-F238E27FC236}">
+                <a16:creationId xmlns:a16="http://schemas.microsoft.com/office/drawing/2014/main" id="{C60058A0-20FC-443D-AC9C-C306AF26E47B}"/>
+              </a:ext>
+            </a:extLst>
+          </p:cNvPr>
+          <p:cNvSpPr txBox="1">
+            <a:spLocks/>
+          </p:cNvSpPr>
           <p:nvPr/>
-        </p:nvPicPr>
-        <p:blipFill>
-          <a:blip r:embed="rId2"/>
-          <a:stretch>
-            <a:fillRect/>
-          </a:stretch>
-        </p:blipFill>
+        </p:nvSpPr>
         <p:spPr>
           <a:xfrm>
-            <a:off x="737546" y="1990920"/>
-            <a:ext cx="10716907" cy="4072424"/>
-          </a:xfrm>
-          <a:prstGeom prst="rect">
-            <a:avLst/>
-          </a:prstGeom>
-        </p:spPr>
-      </p:pic>
-      <p:sp>
-        <p:nvSpPr>
-          <p:cNvPr id="9" name="Subtitle 2">
-            <a:extLst>
-              <a:ext uri="{FF2B5EF4-FFF2-40B4-BE49-F238E27FC236}">
-                <a16:creationId xmlns:a16="http://schemas.microsoft.com/office/drawing/2014/main" id="{C60058A0-20FC-443D-AC9C-C306AF26E47B}"/>
-              </a:ext>
-            </a:extLst>
-          </p:cNvPr>
-          <p:cNvSpPr txBox="1">
-            <a:spLocks/>
-          </p:cNvSpPr>
-          <p:nvPr/>
-        </p:nvSpPr>
-        <p:spPr>
-          <a:xfrm>
-            <a:off x="737546" y="6216893"/>
+            <a:off x="1081791" y="5818104"/>
             <a:ext cx="5853954" cy="490479"/>
           </a:xfrm>
           <a:prstGeom prst="rect">
@@ -4650,7 +4620,23 @@
                   <a:schemeClr val="bg1"/>
                 </a:solidFill>
               </a:rPr>
-              <a:t>After we have run the code, this simple GUI interface will appear</a:t>
+              <a:t>Simple UML Sequence Diagrams and Flow Charts with </a:t>
+            </a:r>
+            <a:r>
+              <a:rPr lang="en-US" altLang="zh-CN" sz="1800" dirty="0" err="1">
+                <a:solidFill>
+                  <a:schemeClr val="bg1"/>
+                </a:solidFill>
+              </a:rPr>
+              <a:t>PlantUML</a:t>
+            </a:r>
+            <a:r>
+              <a:rPr lang="en-US" altLang="zh-CN" sz="1800" dirty="0">
+                <a:solidFill>
+                  <a:schemeClr val="bg1"/>
+                </a:solidFill>
+              </a:rPr>
+              <a:t> </a:t>
             </a:r>
             <a:endParaRPr lang="en-MY" sz="1800" dirty="0">
               <a:solidFill>
@@ -4881,7 +4867,7 @@
                   <a:schemeClr val="bg1"/>
                 </a:solidFill>
               </a:rPr>
-              <a:t>PRODUCT DEPLOYMENT</a:t>
+              <a:t>PROJECT IMPLEMENTATION</a:t>
             </a:r>
             <a:endParaRPr lang="en-MY" sz="4800" b="1" dirty="0">
               <a:solidFill>
@@ -4891,10 +4877,40 @@
           </a:p>
         </p:txBody>
       </p:sp>
+      <p:pic>
+        <p:nvPicPr>
+          <p:cNvPr id="3" name="Picture 2">
+            <a:extLst>
+              <a:ext uri="{FF2B5EF4-FFF2-40B4-BE49-F238E27FC236}">
+                <a16:creationId xmlns:a16="http://schemas.microsoft.com/office/drawing/2014/main" id="{A6DEA282-8727-4904-8A8F-DA4C1712BDFA}"/>
+              </a:ext>
+            </a:extLst>
+          </p:cNvPr>
+          <p:cNvPicPr>
+            <a:picLocks noChangeAspect="1"/>
+          </p:cNvPicPr>
+          <p:nvPr/>
+        </p:nvPicPr>
+        <p:blipFill>
+          <a:blip r:embed="rId2"/>
+          <a:stretch>
+            <a:fillRect/>
+          </a:stretch>
+        </p:blipFill>
+        <p:spPr>
+          <a:xfrm>
+            <a:off x="809131" y="1971427"/>
+            <a:ext cx="10573737" cy="3332910"/>
+          </a:xfrm>
+          <a:prstGeom prst="rect">
+            <a:avLst/>
+          </a:prstGeom>
+        </p:spPr>
+      </p:pic>
     </p:spTree>
     <p:extLst>
       <p:ext uri="{BB962C8B-B14F-4D97-AF65-F5344CB8AC3E}">
-        <p14:creationId xmlns:p14="http://schemas.microsoft.com/office/powerpoint/2010/main" val="678888111"/>
+        <p14:creationId xmlns:p14="http://schemas.microsoft.com/office/powerpoint/2010/main" val="3337260856"/>
       </p:ext>
     </p:extLst>
   </p:cSld>
@@ -4932,6 +4948,36 @@
           <a:chExt cx="0" cy="0"/>
         </a:xfrm>
       </p:grpSpPr>
+      <p:pic>
+        <p:nvPicPr>
+          <p:cNvPr id="7" name="Picture 6">
+            <a:extLst>
+              <a:ext uri="{FF2B5EF4-FFF2-40B4-BE49-F238E27FC236}">
+                <a16:creationId xmlns:a16="http://schemas.microsoft.com/office/drawing/2014/main" id="{E2CF96DD-79ED-48A5-89BF-5427EDBA3812}"/>
+              </a:ext>
+            </a:extLst>
+          </p:cNvPr>
+          <p:cNvPicPr>
+            <a:picLocks noChangeAspect="1"/>
+          </p:cNvPicPr>
+          <p:nvPr/>
+        </p:nvPicPr>
+        <p:blipFill>
+          <a:blip r:embed="rId2"/>
+          <a:stretch>
+            <a:fillRect/>
+          </a:stretch>
+        </p:blipFill>
+        <p:spPr>
+          <a:xfrm>
+            <a:off x="737546" y="1990920"/>
+            <a:ext cx="10716907" cy="4072424"/>
+          </a:xfrm>
+          <a:prstGeom prst="rect">
+            <a:avLst/>
+          </a:prstGeom>
+        </p:spPr>
+      </p:pic>
       <p:sp>
         <p:nvSpPr>
           <p:cNvPr id="9" name="Subtitle 2">
@@ -4948,7 +4994,7 @@
         </p:nvSpPr>
         <p:spPr>
           <a:xfrm>
-            <a:off x="1081791" y="5818104"/>
+            <a:off x="737546" y="6216893"/>
             <a:ext cx="5853954" cy="490479"/>
           </a:xfrm>
           <a:prstGeom prst="rect">
@@ -5131,23 +5177,7 @@
                   <a:schemeClr val="bg1"/>
                 </a:solidFill>
               </a:rPr>
-              <a:t>Simple UML Sequence Diagrams and Flow Charts with </a:t>
-            </a:r>
-            <a:r>
-              <a:rPr lang="en-US" altLang="zh-CN" sz="1800" dirty="0" err="1">
-                <a:solidFill>
-                  <a:schemeClr val="bg1"/>
-                </a:solidFill>
-              </a:rPr>
-              <a:t>PlantUML</a:t>
-            </a:r>
-            <a:r>
-              <a:rPr lang="en-US" altLang="zh-CN" sz="1800" dirty="0">
-                <a:solidFill>
-                  <a:schemeClr val="bg1"/>
-                </a:solidFill>
-              </a:rPr>
-              <a:t> </a:t>
+              <a:t>After we have run the code, this simple GUI interface will appear</a:t>
             </a:r>
             <a:endParaRPr lang="en-MY" sz="1800" dirty="0">
               <a:solidFill>
@@ -5378,7 +5408,7 @@
                   <a:schemeClr val="bg1"/>
                 </a:solidFill>
               </a:rPr>
-              <a:t>PROJECT IMPLEMENTATION</a:t>
+              <a:t>PRODUCT DEPLOYMENT</a:t>
             </a:r>
             <a:endParaRPr lang="en-MY" sz="4800" b="1" dirty="0">
               <a:solidFill>
@@ -5388,40 +5418,10 @@
           </a:p>
         </p:txBody>
       </p:sp>
-      <p:pic>
-        <p:nvPicPr>
-          <p:cNvPr id="3" name="Picture 2">
-            <a:extLst>
-              <a:ext uri="{FF2B5EF4-FFF2-40B4-BE49-F238E27FC236}">
-                <a16:creationId xmlns:a16="http://schemas.microsoft.com/office/drawing/2014/main" id="{A6DEA282-8727-4904-8A8F-DA4C1712BDFA}"/>
-              </a:ext>
-            </a:extLst>
-          </p:cNvPr>
-          <p:cNvPicPr>
-            <a:picLocks noChangeAspect="1"/>
-          </p:cNvPicPr>
-          <p:nvPr/>
-        </p:nvPicPr>
-        <p:blipFill>
-          <a:blip r:embed="rId2"/>
-          <a:stretch>
-            <a:fillRect/>
-          </a:stretch>
-        </p:blipFill>
-        <p:spPr>
-          <a:xfrm>
-            <a:off x="809131" y="1971427"/>
-            <a:ext cx="10573737" cy="3332910"/>
-          </a:xfrm>
-          <a:prstGeom prst="rect">
-            <a:avLst/>
-          </a:prstGeom>
-        </p:spPr>
-      </p:pic>
     </p:spTree>
     <p:extLst>
       <p:ext uri="{BB962C8B-B14F-4D97-AF65-F5344CB8AC3E}">
-        <p14:creationId xmlns:p14="http://schemas.microsoft.com/office/powerpoint/2010/main" val="3337260856"/>
+        <p14:creationId xmlns:p14="http://schemas.microsoft.com/office/powerpoint/2010/main" val="678888111"/>
       </p:ext>
     </p:extLst>
   </p:cSld>

--- a/Employee Salary Calculator Application.pptx
+++ b/Employee Salary Calculator Application.pptx
@@ -13,7 +13,8 @@
     <p:sldId id="258" r:id="rId7"/>
     <p:sldId id="260" r:id="rId8"/>
     <p:sldId id="261" r:id="rId9"/>
-    <p:sldId id="262" r:id="rId10"/>
+    <p:sldId id="265" r:id="rId10"/>
+    <p:sldId id="262" r:id="rId11"/>
   </p:sldIdLst>
   <p:sldSz cx="12192000" cy="6858000"/>
   <p:notesSz cx="6858000" cy="9144000"/>
@@ -3682,6 +3683,84 @@
 </p:sld>
 </file>
 
+<file path=ppt/slides/slide10.xml><?xml version="1.0" encoding="utf-8"?>
+<p:sld xmlns:a="http://schemas.openxmlformats.org/drawingml/2006/main" xmlns:r="http://schemas.openxmlformats.org/officeDocument/2006/relationships" xmlns:p="http://schemas.openxmlformats.org/presentationml/2006/main">
+  <p:cSld>
+    <p:bg>
+      <p:bgPr>
+        <a:solidFill>
+          <a:schemeClr val="tx2">
+            <a:lumMod val="50000"/>
+            <a:alpha val="99000"/>
+          </a:schemeClr>
+        </a:solidFill>
+        <a:effectLst/>
+      </p:bgPr>
+    </p:bg>
+    <p:spTree>
+      <p:nvGrpSpPr>
+        <p:cNvPr id="1" name=""/>
+        <p:cNvGrpSpPr/>
+        <p:nvPr/>
+      </p:nvGrpSpPr>
+      <p:grpSpPr>
+        <a:xfrm>
+          <a:off x="0" y="0"/>
+          <a:ext cx="0" cy="0"/>
+          <a:chOff x="0" y="0"/>
+          <a:chExt cx="0" cy="0"/>
+        </a:xfrm>
+      </p:grpSpPr>
+      <p:sp>
+        <p:nvSpPr>
+          <p:cNvPr id="2" name="Title 1">
+            <a:extLst>
+              <a:ext uri="{FF2B5EF4-FFF2-40B4-BE49-F238E27FC236}">
+                <a16:creationId xmlns:a16="http://schemas.microsoft.com/office/drawing/2014/main" id="{41ABBB10-43FE-4BCE-9D5F-4B4E00E7F518}"/>
+              </a:ext>
+            </a:extLst>
+          </p:cNvPr>
+          <p:cNvSpPr>
+            <a:spLocks noGrp="1"/>
+          </p:cNvSpPr>
+          <p:nvPr>
+            <p:ph type="ctrTitle"/>
+          </p:nvPr>
+        </p:nvSpPr>
+        <p:spPr>
+          <a:xfrm>
+            <a:off x="3342020" y="2741426"/>
+            <a:ext cx="5239871" cy="1002272"/>
+          </a:xfrm>
+        </p:spPr>
+        <p:txBody>
+          <a:bodyPr/>
+          <a:lstStyle/>
+          <a:p>
+            <a:r>
+              <a:rPr lang="en-MY" b="1" dirty="0">
+                <a:solidFill>
+                  <a:schemeClr val="bg1"/>
+                </a:solidFill>
+              </a:rPr>
+              <a:t>THANK YOU!</a:t>
+            </a:r>
+          </a:p>
+        </p:txBody>
+      </p:sp>
+    </p:spTree>
+    <p:extLst>
+      <p:ext uri="{BB962C8B-B14F-4D97-AF65-F5344CB8AC3E}">
+        <p14:creationId xmlns:p14="http://schemas.microsoft.com/office/powerpoint/2010/main" val="1616701049"/>
+      </p:ext>
+    </p:extLst>
+  </p:cSld>
+  <p:clrMapOvr>
+    <a:masterClrMapping/>
+  </p:clrMapOvr>
+</p:sld>
+</file>
+
 <file path=ppt/slides/slide2.xml><?xml version="1.0" encoding="utf-8"?>
 <p:sld xmlns:a="http://schemas.openxmlformats.org/drawingml/2006/main" xmlns:r="http://schemas.openxmlformats.org/officeDocument/2006/relationships" xmlns:p="http://schemas.openxmlformats.org/presentationml/2006/main">
   <p:cSld>
@@ -6942,10 +7021,10 @@
       </p:grpSpPr>
       <p:sp>
         <p:nvSpPr>
-          <p:cNvPr id="2" name="Title 1">
-            <a:extLst>
-              <a:ext uri="{FF2B5EF4-FFF2-40B4-BE49-F238E27FC236}">
-                <a16:creationId xmlns:a16="http://schemas.microsoft.com/office/drawing/2014/main" id="{41ABBB10-43FE-4BCE-9D5F-4B4E00E7F518}"/>
+          <p:cNvPr id="3" name="Subtitle 2">
+            <a:extLst>
+              <a:ext uri="{FF2B5EF4-FFF2-40B4-BE49-F238E27FC236}">
+                <a16:creationId xmlns:a16="http://schemas.microsoft.com/office/drawing/2014/main" id="{F2920A47-459B-4B1F-B389-F21BD41B04F7}"/>
               </a:ext>
             </a:extLst>
           </p:cNvPr>
@@ -6953,34 +7032,267 @@
             <a:spLocks noGrp="1"/>
           </p:cNvSpPr>
           <p:nvPr>
-            <p:ph type="ctrTitle"/>
+            <p:ph type="subTitle" idx="1"/>
           </p:nvPr>
         </p:nvSpPr>
         <p:spPr>
           <a:xfrm>
-            <a:off x="3342020" y="2741426"/>
-            <a:ext cx="5239871" cy="1002272"/>
+            <a:off x="127746" y="1936375"/>
+            <a:ext cx="10167322" cy="728832"/>
           </a:xfrm>
         </p:spPr>
         <p:txBody>
-          <a:bodyPr/>
+          <a:bodyPr>
+            <a:normAutofit/>
+          </a:bodyPr>
           <a:lstStyle/>
           <a:p>
             <a:r>
-              <a:rPr lang="en-MY" b="1" dirty="0">
+              <a:rPr lang="en-MY" dirty="0">
                 <a:solidFill>
                   <a:schemeClr val="bg1"/>
                 </a:solidFill>
               </a:rPr>
-              <a:t>THANK YOU!</a:t>
-            </a:r>
+              <a:t>https://github.com/wlexiiii/Employee-Salary-Aplication.git</a:t>
+            </a:r>
+          </a:p>
+        </p:txBody>
+      </p:sp>
+      <p:sp>
+        <p:nvSpPr>
+          <p:cNvPr id="7" name="Subtitle 2">
+            <a:extLst>
+              <a:ext uri="{FF2B5EF4-FFF2-40B4-BE49-F238E27FC236}">
+                <a16:creationId xmlns:a16="http://schemas.microsoft.com/office/drawing/2014/main" id="{15B9A21F-6D79-41A4-B33C-8283CBCBD7C8}"/>
+              </a:ext>
+            </a:extLst>
+          </p:cNvPr>
+          <p:cNvSpPr txBox="1">
+            <a:spLocks/>
+          </p:cNvSpPr>
+          <p:nvPr/>
+        </p:nvSpPr>
+        <p:spPr>
+          <a:xfrm>
+            <a:off x="0" y="794656"/>
+            <a:ext cx="12192000" cy="797475"/>
+          </a:xfrm>
+          <a:prstGeom prst="rect">
+            <a:avLst/>
+          </a:prstGeom>
+          <a:solidFill>
+            <a:schemeClr val="tx2">
+              <a:lumMod val="60000"/>
+              <a:lumOff val="40000"/>
+            </a:schemeClr>
+          </a:solidFill>
+          <a:ln>
+            <a:noFill/>
+          </a:ln>
+        </p:spPr>
+        <p:style>
+          <a:lnRef idx="3">
+            <a:schemeClr val="lt1"/>
+          </a:lnRef>
+          <a:fillRef idx="1">
+            <a:schemeClr val="accent1"/>
+          </a:fillRef>
+          <a:effectRef idx="1">
+            <a:schemeClr val="accent1"/>
+          </a:effectRef>
+          <a:fontRef idx="minor">
+            <a:schemeClr val="lt1"/>
+          </a:fontRef>
+        </p:style>
+        <p:txBody>
+          <a:bodyPr vert="horz" lIns="91440" tIns="45720" rIns="91440" bIns="45720" rtlCol="0">
+            <a:normAutofit/>
+          </a:bodyPr>
+          <a:lstStyle>
+            <a:lvl1pPr marL="0" indent="0" algn="ctr" defTabSz="914400" rtl="0" eaLnBrk="1" latinLnBrk="0" hangingPunct="1">
+              <a:lnSpc>
+                <a:spcPct val="90000"/>
+              </a:lnSpc>
+              <a:spcBef>
+                <a:spcPts val="1000"/>
+              </a:spcBef>
+              <a:buFont typeface="Arial" panose="020B0604020202020204" pitchFamily="34" charset="0"/>
+              <a:buNone/>
+              <a:defRPr sz="2400" kern="1200">
+                <a:solidFill>
+                  <a:schemeClr val="lt1"/>
+                </a:solidFill>
+                <a:latin typeface="+mn-lt"/>
+                <a:ea typeface="+mn-ea"/>
+                <a:cs typeface="+mn-cs"/>
+              </a:defRPr>
+            </a:lvl1pPr>
+            <a:lvl2pPr marL="457200" indent="0" algn="ctr" defTabSz="914400" rtl="0" eaLnBrk="1" latinLnBrk="0" hangingPunct="1">
+              <a:lnSpc>
+                <a:spcPct val="90000"/>
+              </a:lnSpc>
+              <a:spcBef>
+                <a:spcPts val="500"/>
+              </a:spcBef>
+              <a:buFont typeface="Arial" panose="020B0604020202020204" pitchFamily="34" charset="0"/>
+              <a:buNone/>
+              <a:defRPr sz="2000" kern="1200">
+                <a:solidFill>
+                  <a:schemeClr val="lt1"/>
+                </a:solidFill>
+                <a:latin typeface="+mn-lt"/>
+                <a:ea typeface="+mn-ea"/>
+                <a:cs typeface="+mn-cs"/>
+              </a:defRPr>
+            </a:lvl2pPr>
+            <a:lvl3pPr marL="914400" indent="0" algn="ctr" defTabSz="914400" rtl="0" eaLnBrk="1" latinLnBrk="0" hangingPunct="1">
+              <a:lnSpc>
+                <a:spcPct val="90000"/>
+              </a:lnSpc>
+              <a:spcBef>
+                <a:spcPts val="500"/>
+              </a:spcBef>
+              <a:buFont typeface="Arial" panose="020B0604020202020204" pitchFamily="34" charset="0"/>
+              <a:buNone/>
+              <a:defRPr sz="1800" kern="1200">
+                <a:solidFill>
+                  <a:schemeClr val="lt1"/>
+                </a:solidFill>
+                <a:latin typeface="+mn-lt"/>
+                <a:ea typeface="+mn-ea"/>
+                <a:cs typeface="+mn-cs"/>
+              </a:defRPr>
+            </a:lvl3pPr>
+            <a:lvl4pPr marL="1371600" indent="0" algn="ctr" defTabSz="914400" rtl="0" eaLnBrk="1" latinLnBrk="0" hangingPunct="1">
+              <a:lnSpc>
+                <a:spcPct val="90000"/>
+              </a:lnSpc>
+              <a:spcBef>
+                <a:spcPts val="500"/>
+              </a:spcBef>
+              <a:buFont typeface="Arial" panose="020B0604020202020204" pitchFamily="34" charset="0"/>
+              <a:buNone/>
+              <a:defRPr sz="1600" kern="1200">
+                <a:solidFill>
+                  <a:schemeClr val="lt1"/>
+                </a:solidFill>
+                <a:latin typeface="+mn-lt"/>
+                <a:ea typeface="+mn-ea"/>
+                <a:cs typeface="+mn-cs"/>
+              </a:defRPr>
+            </a:lvl4pPr>
+            <a:lvl5pPr marL="1828800" indent="0" algn="ctr" defTabSz="914400" rtl="0" eaLnBrk="1" latinLnBrk="0" hangingPunct="1">
+              <a:lnSpc>
+                <a:spcPct val="90000"/>
+              </a:lnSpc>
+              <a:spcBef>
+                <a:spcPts val="500"/>
+              </a:spcBef>
+              <a:buFont typeface="Arial" panose="020B0604020202020204" pitchFamily="34" charset="0"/>
+              <a:buNone/>
+              <a:defRPr sz="1600" kern="1200">
+                <a:solidFill>
+                  <a:schemeClr val="lt1"/>
+                </a:solidFill>
+                <a:latin typeface="+mn-lt"/>
+                <a:ea typeface="+mn-ea"/>
+                <a:cs typeface="+mn-cs"/>
+              </a:defRPr>
+            </a:lvl5pPr>
+            <a:lvl6pPr marL="2286000" indent="0" algn="ctr" defTabSz="914400" rtl="0" eaLnBrk="1" latinLnBrk="0" hangingPunct="1">
+              <a:lnSpc>
+                <a:spcPct val="90000"/>
+              </a:lnSpc>
+              <a:spcBef>
+                <a:spcPts val="500"/>
+              </a:spcBef>
+              <a:buFont typeface="Arial" panose="020B0604020202020204" pitchFamily="34" charset="0"/>
+              <a:buNone/>
+              <a:defRPr sz="1600" kern="1200">
+                <a:solidFill>
+                  <a:schemeClr val="lt1"/>
+                </a:solidFill>
+                <a:latin typeface="+mn-lt"/>
+                <a:ea typeface="+mn-ea"/>
+                <a:cs typeface="+mn-cs"/>
+              </a:defRPr>
+            </a:lvl6pPr>
+            <a:lvl7pPr marL="2743200" indent="0" algn="ctr" defTabSz="914400" rtl="0" eaLnBrk="1" latinLnBrk="0" hangingPunct="1">
+              <a:lnSpc>
+                <a:spcPct val="90000"/>
+              </a:lnSpc>
+              <a:spcBef>
+                <a:spcPts val="500"/>
+              </a:spcBef>
+              <a:buFont typeface="Arial" panose="020B0604020202020204" pitchFamily="34" charset="0"/>
+              <a:buNone/>
+              <a:defRPr sz="1600" kern="1200">
+                <a:solidFill>
+                  <a:schemeClr val="lt1"/>
+                </a:solidFill>
+                <a:latin typeface="+mn-lt"/>
+                <a:ea typeface="+mn-ea"/>
+                <a:cs typeface="+mn-cs"/>
+              </a:defRPr>
+            </a:lvl7pPr>
+            <a:lvl8pPr marL="3200400" indent="0" algn="ctr" defTabSz="914400" rtl="0" eaLnBrk="1" latinLnBrk="0" hangingPunct="1">
+              <a:lnSpc>
+                <a:spcPct val="90000"/>
+              </a:lnSpc>
+              <a:spcBef>
+                <a:spcPts val="500"/>
+              </a:spcBef>
+              <a:buFont typeface="Arial" panose="020B0604020202020204" pitchFamily="34" charset="0"/>
+              <a:buNone/>
+              <a:defRPr sz="1600" kern="1200">
+                <a:solidFill>
+                  <a:schemeClr val="lt1"/>
+                </a:solidFill>
+                <a:latin typeface="+mn-lt"/>
+                <a:ea typeface="+mn-ea"/>
+                <a:cs typeface="+mn-cs"/>
+              </a:defRPr>
+            </a:lvl8pPr>
+            <a:lvl9pPr marL="3657600" indent="0" algn="ctr" defTabSz="914400" rtl="0" eaLnBrk="1" latinLnBrk="0" hangingPunct="1">
+              <a:lnSpc>
+                <a:spcPct val="90000"/>
+              </a:lnSpc>
+              <a:spcBef>
+                <a:spcPts val="500"/>
+              </a:spcBef>
+              <a:buFont typeface="Arial" panose="020B0604020202020204" pitchFamily="34" charset="0"/>
+              <a:buNone/>
+              <a:defRPr sz="1600" kern="1200">
+                <a:solidFill>
+                  <a:schemeClr val="lt1"/>
+                </a:solidFill>
+                <a:latin typeface="+mn-lt"/>
+                <a:ea typeface="+mn-ea"/>
+                <a:cs typeface="+mn-cs"/>
+              </a:defRPr>
+            </a:lvl9pPr>
+          </a:lstStyle>
+          <a:p>
+            <a:r>
+              <a:rPr lang="en-US" altLang="zh-CN" sz="4800" b="1" dirty="0">
+                <a:solidFill>
+                  <a:schemeClr val="bg1"/>
+                </a:solidFill>
+              </a:rPr>
+              <a:t>GITHUB LINK</a:t>
+            </a:r>
+            <a:endParaRPr lang="en-MY" sz="4800" b="1" dirty="0">
+              <a:solidFill>
+                <a:schemeClr val="bg1"/>
+              </a:solidFill>
+            </a:endParaRPr>
           </a:p>
         </p:txBody>
       </p:sp>
     </p:spTree>
     <p:extLst>
       <p:ext uri="{BB962C8B-B14F-4D97-AF65-F5344CB8AC3E}">
-        <p14:creationId xmlns:p14="http://schemas.microsoft.com/office/powerpoint/2010/main" val="1616701049"/>
+        <p14:creationId xmlns:p14="http://schemas.microsoft.com/office/powerpoint/2010/main" val="698276290"/>
       </p:ext>
     </p:extLst>
   </p:cSld>
